--- a/211201_Programmablauf/Programmablauf.pptx
+++ b/211201_Programmablauf/Programmablauf.pptx
@@ -104,6 +104,11 @@
       </a:defRPr>
     </a:lvl9pPr>
   </p:defaultTextStyle>
+  <p:extLst>
+    <p:ext uri="{EFAFB233-063F-42B5-8137-9DF3F51BA10A}">
+      <p15:sldGuideLst xmlns:p15="http://schemas.microsoft.com/office/powerpoint/2012/main"/>
+    </p:ext>
+  </p:extLst>
 </p:presentation>
 </file>
 
@@ -254,7 +259,7 @@
           <a:p>
             <a:fld id="{A600F261-3F23-4A66-AF2B-E0AE8C70F60C}" type="datetimeFigureOut">
               <a:rPr lang="de-DE" smtClean="0"/>
-              <a:t>01.12.2021</a:t>
+              <a:t>08.12.2021</a:t>
             </a:fld>
             <a:endParaRPr lang="de-DE"/>
           </a:p>
@@ -452,7 +457,7 @@
           <a:p>
             <a:fld id="{A600F261-3F23-4A66-AF2B-E0AE8C70F60C}" type="datetimeFigureOut">
               <a:rPr lang="de-DE" smtClean="0"/>
-              <a:t>01.12.2021</a:t>
+              <a:t>08.12.2021</a:t>
             </a:fld>
             <a:endParaRPr lang="de-DE"/>
           </a:p>
@@ -660,7 +665,7 @@
           <a:p>
             <a:fld id="{A600F261-3F23-4A66-AF2B-E0AE8C70F60C}" type="datetimeFigureOut">
               <a:rPr lang="de-DE" smtClean="0"/>
-              <a:t>01.12.2021</a:t>
+              <a:t>08.12.2021</a:t>
             </a:fld>
             <a:endParaRPr lang="de-DE"/>
           </a:p>
@@ -858,7 +863,7 @@
           <a:p>
             <a:fld id="{A600F261-3F23-4A66-AF2B-E0AE8C70F60C}" type="datetimeFigureOut">
               <a:rPr lang="de-DE" smtClean="0"/>
-              <a:t>01.12.2021</a:t>
+              <a:t>08.12.2021</a:t>
             </a:fld>
             <a:endParaRPr lang="de-DE"/>
           </a:p>
@@ -1133,7 +1138,7 @@
           <a:p>
             <a:fld id="{A600F261-3F23-4A66-AF2B-E0AE8C70F60C}" type="datetimeFigureOut">
               <a:rPr lang="de-DE" smtClean="0"/>
-              <a:t>01.12.2021</a:t>
+              <a:t>08.12.2021</a:t>
             </a:fld>
             <a:endParaRPr lang="de-DE"/>
           </a:p>
@@ -1398,7 +1403,7 @@
           <a:p>
             <a:fld id="{A600F261-3F23-4A66-AF2B-E0AE8C70F60C}" type="datetimeFigureOut">
               <a:rPr lang="de-DE" smtClean="0"/>
-              <a:t>01.12.2021</a:t>
+              <a:t>08.12.2021</a:t>
             </a:fld>
             <a:endParaRPr lang="de-DE"/>
           </a:p>
@@ -1810,7 +1815,7 @@
           <a:p>
             <a:fld id="{A600F261-3F23-4A66-AF2B-E0AE8C70F60C}" type="datetimeFigureOut">
               <a:rPr lang="de-DE" smtClean="0"/>
-              <a:t>01.12.2021</a:t>
+              <a:t>08.12.2021</a:t>
             </a:fld>
             <a:endParaRPr lang="de-DE"/>
           </a:p>
@@ -1951,7 +1956,7 @@
           <a:p>
             <a:fld id="{A600F261-3F23-4A66-AF2B-E0AE8C70F60C}" type="datetimeFigureOut">
               <a:rPr lang="de-DE" smtClean="0"/>
-              <a:t>01.12.2021</a:t>
+              <a:t>08.12.2021</a:t>
             </a:fld>
             <a:endParaRPr lang="de-DE"/>
           </a:p>
@@ -2064,7 +2069,7 @@
           <a:p>
             <a:fld id="{A600F261-3F23-4A66-AF2B-E0AE8C70F60C}" type="datetimeFigureOut">
               <a:rPr lang="de-DE" smtClean="0"/>
-              <a:t>01.12.2021</a:t>
+              <a:t>08.12.2021</a:t>
             </a:fld>
             <a:endParaRPr lang="de-DE"/>
           </a:p>
@@ -2375,7 +2380,7 @@
           <a:p>
             <a:fld id="{A600F261-3F23-4A66-AF2B-E0AE8C70F60C}" type="datetimeFigureOut">
               <a:rPr lang="de-DE" smtClean="0"/>
-              <a:t>01.12.2021</a:t>
+              <a:t>08.12.2021</a:t>
             </a:fld>
             <a:endParaRPr lang="de-DE"/>
           </a:p>
@@ -2663,7 +2668,7 @@
           <a:p>
             <a:fld id="{A600F261-3F23-4A66-AF2B-E0AE8C70F60C}" type="datetimeFigureOut">
               <a:rPr lang="de-DE" smtClean="0"/>
-              <a:t>01.12.2021</a:t>
+              <a:t>08.12.2021</a:t>
             </a:fld>
             <a:endParaRPr lang="de-DE"/>
           </a:p>
@@ -2904,7 +2909,7 @@
           <a:p>
             <a:fld id="{A600F261-3F23-4A66-AF2B-E0AE8C70F60C}" type="datetimeFigureOut">
               <a:rPr lang="de-DE" smtClean="0"/>
-              <a:t>01.12.2021</a:t>
+              <a:t>08.12.2021</a:t>
             </a:fld>
             <a:endParaRPr lang="de-DE"/>
           </a:p>
@@ -3335,8 +3340,8 @@
         </p:nvSpPr>
         <p:spPr>
           <a:xfrm>
-            <a:off x="746450" y="382555"/>
-            <a:ext cx="3946848" cy="923330"/>
+            <a:off x="746449" y="382555"/>
+            <a:ext cx="7221891" cy="369332"/>
           </a:xfrm>
           <a:prstGeom prst="rect">
             <a:avLst/>
@@ -3351,26 +3356,12 @@
           <a:p>
             <a:r>
               <a:rPr lang="de-DE" b="1" dirty="0"/>
-              <a:t>Genereller Ablauf eines Programms</a:t>
-            </a:r>
-          </a:p>
-          <a:p>
-            <a:endParaRPr lang="de-DE" dirty="0"/>
-          </a:p>
-          <a:p>
-            <a:r>
-              <a:rPr lang="de-DE" b="1" dirty="0" err="1"/>
-              <a:t>class</a:t>
-            </a:r>
-            <a:r>
-              <a:rPr lang="de-DE" b="1" dirty="0"/>
-              <a:t> </a:t>
-            </a:r>
-            <a:r>
-              <a:rPr lang="de-DE" b="1" dirty="0" err="1"/>
-              <a:t>VariableVsParameter</a:t>
-            </a:r>
-            <a:endParaRPr lang="de-DE" b="1" dirty="0"/>
+              <a:t>Genereller Ablauf eines Programms </a:t>
+            </a:r>
+            <a:r>
+              <a:rPr lang="de-DE" dirty="0"/>
+              <a:t>(vereinfachte Darstellung)</a:t>
+            </a:r>
           </a:p>
         </p:txBody>
       </p:sp>
@@ -3439,7 +3430,7 @@
           <a:p>
             <a:r>
               <a:rPr lang="de-DE" u="sng" dirty="0" err="1"/>
-              <a:t>Int</a:t>
+              <a:t>int</a:t>
             </a:r>
             <a:r>
               <a:rPr lang="de-DE" u="sng" dirty="0"/>
@@ -3503,7 +3494,7 @@
           <a:p>
             <a:r>
               <a:rPr lang="de-DE" dirty="0" err="1"/>
-              <a:t>Int</a:t>
+              <a:t>int</a:t>
             </a:r>
             <a:r>
               <a:rPr lang="de-DE" dirty="0"/>
@@ -3513,7 +3504,7 @@
           <a:p>
             <a:r>
               <a:rPr lang="de-DE" dirty="0" err="1"/>
-              <a:t>Int</a:t>
+              <a:t>int</a:t>
             </a:r>
             <a:r>
               <a:rPr lang="de-DE" dirty="0"/>
@@ -3524,7 +3515,10 @@
             <a:endParaRPr lang="de-DE" dirty="0"/>
           </a:p>
           <a:p>
-            <a:endParaRPr lang="de-DE" dirty="0"/>
+            <a:r>
+              <a:rPr lang="de-DE" dirty="0"/>
+              <a:t>i</a:t>
+            </a:r>
           </a:p>
           <a:p>
             <a:endParaRPr lang="de-DE" dirty="0"/>
@@ -3597,11 +3591,11 @@
           <a:p>
             <a:r>
               <a:rPr lang="de-DE" dirty="0" err="1"/>
-              <a:t>Int</a:t>
+              <a:t>int</a:t>
             </a:r>
             <a:r>
               <a:rPr lang="de-DE" dirty="0"/>
-              <a:t> summe = x + y; // 10</a:t>
+              <a:t> summe = a + b; // 10</a:t>
             </a:r>
           </a:p>
           <a:p>
@@ -3800,7 +3794,7 @@
         </p:nvCxnSpPr>
         <p:spPr>
           <a:xfrm>
-            <a:off x="3669264" y="5418959"/>
+            <a:off x="3669264" y="5372307"/>
             <a:ext cx="5492621" cy="0"/>
           </a:xfrm>
           <a:prstGeom prst="straightConnector1">
@@ -3842,7 +3836,7 @@
         </p:nvSpPr>
         <p:spPr>
           <a:xfrm>
-            <a:off x="9161885" y="5210908"/>
+            <a:off x="9161885" y="5164256"/>
             <a:ext cx="2715208" cy="369332"/>
           </a:xfrm>
           <a:prstGeom prst="rect">
@@ -3858,7 +3852,7 @@
           <a:p>
             <a:r>
               <a:rPr lang="de-DE" dirty="0"/>
-              <a:t>10</a:t>
+              <a:t>&gt;&gt; 10</a:t>
             </a:r>
           </a:p>
         </p:txBody>
@@ -3991,6 +3985,50 @@
               <a:rPr lang="de-DE" dirty="0"/>
               <a:t> = addiere(x, y)</a:t>
             </a:r>
+          </a:p>
+        </p:txBody>
+      </p:sp>
+      <p:sp>
+        <p:nvSpPr>
+          <p:cNvPr id="19" name="Textfeld 18">
+            <a:extLst>
+              <a:ext uri="{FF2B5EF4-FFF2-40B4-BE49-F238E27FC236}">
+                <a16:creationId xmlns:a16="http://schemas.microsoft.com/office/drawing/2014/main" id="{ED2F5AB1-9FF8-4500-9357-B9FA14470811}"/>
+              </a:ext>
+            </a:extLst>
+          </p:cNvPr>
+          <p:cNvSpPr txBox="1"/>
+          <p:nvPr/>
+        </p:nvSpPr>
+        <p:spPr>
+          <a:xfrm>
+            <a:off x="746449" y="1153650"/>
+            <a:ext cx="6134876" cy="369332"/>
+          </a:xfrm>
+          <a:prstGeom prst="rect">
+            <a:avLst/>
+          </a:prstGeom>
+          <a:noFill/>
+        </p:spPr>
+        <p:txBody>
+          <a:bodyPr wrap="square">
+            <a:spAutoFit/>
+          </a:bodyPr>
+          <a:lstStyle/>
+          <a:p>
+            <a:r>
+              <a:rPr lang="de-DE" b="1" dirty="0" err="1"/>
+              <a:t>class</a:t>
+            </a:r>
+            <a:r>
+              <a:rPr lang="de-DE" b="1" dirty="0"/>
+              <a:t> </a:t>
+            </a:r>
+            <a:r>
+              <a:rPr lang="de-DE" b="1" dirty="0" err="1"/>
+              <a:t>VariableVsParameter</a:t>
+            </a:r>
+            <a:endParaRPr lang="de-DE" b="1" dirty="0"/>
           </a:p>
         </p:txBody>
       </p:sp>
